--- a/基礎樂理介紹-00657139.pptx
+++ b/基礎樂理介紹-00657139.pptx
@@ -14,7 +14,8 @@
     <p:sldId id="266" r:id="rId8"/>
     <p:sldId id="267" r:id="rId9"/>
     <p:sldId id="268" r:id="rId10"/>
-    <p:sldId id="269" r:id="rId11"/>
+    <p:sldId id="271" r:id="rId11"/>
+    <p:sldId id="269" r:id="rId12"/>
   </p:sldIdLst>
   <p:sldSz cx="12192000" cy="6858000"/>
   <p:notesSz cx="7104063" cy="10234613"/>
@@ -345,7 +346,7 @@
           <a:p>
             <a:fld id="{FAE88FF1-2C18-4A0E-91AD-C74148E4C1C5}" type="datetimeFigureOut">
               <a:rPr lang="zh-TW" altLang="en-US" smtClean="0"/>
-              <a:t>2019/1/5</a:t>
+              <a:t>2019/1/7</a:t>
             </a:fld>
             <a:endParaRPr lang="zh-TW" altLang="en-US"/>
           </a:p>
@@ -696,7 +697,7 @@
           <a:p>
             <a:fld id="{FAE88FF1-2C18-4A0E-91AD-C74148E4C1C5}" type="datetimeFigureOut">
               <a:rPr lang="zh-TW" altLang="en-US" smtClean="0"/>
-              <a:t>2019/1/5</a:t>
+              <a:t>2019/1/7</a:t>
             </a:fld>
             <a:endParaRPr lang="zh-TW" altLang="en-US"/>
           </a:p>
@@ -867,7 +868,7 @@
           <a:p>
             <a:fld id="{FAE88FF1-2C18-4A0E-91AD-C74148E4C1C5}" type="datetimeFigureOut">
               <a:rPr lang="zh-TW" altLang="en-US" smtClean="0"/>
-              <a:t>2019/1/5</a:t>
+              <a:t>2019/1/7</a:t>
             </a:fld>
             <a:endParaRPr lang="zh-TW" altLang="en-US"/>
           </a:p>
@@ -1044,7 +1045,7 @@
           <a:p>
             <a:fld id="{FAE88FF1-2C18-4A0E-91AD-C74148E4C1C5}" type="datetimeFigureOut">
               <a:rPr lang="zh-TW" altLang="en-US" smtClean="0"/>
-              <a:t>2019/1/5</a:t>
+              <a:t>2019/1/7</a:t>
             </a:fld>
             <a:endParaRPr lang="zh-TW" altLang="en-US"/>
           </a:p>
@@ -1303,7 +1304,7 @@
           <a:p>
             <a:fld id="{FAE88FF1-2C18-4A0E-91AD-C74148E4C1C5}" type="datetimeFigureOut">
               <a:rPr lang="zh-TW" altLang="en-US" smtClean="0"/>
-              <a:t>2019/1/5</a:t>
+              <a:t>2019/1/7</a:t>
             </a:fld>
             <a:endParaRPr lang="zh-TW" altLang="en-US"/>
           </a:p>
@@ -1592,7 +1593,7 @@
           <a:p>
             <a:fld id="{FAE88FF1-2C18-4A0E-91AD-C74148E4C1C5}" type="datetimeFigureOut">
               <a:rPr lang="zh-TW" altLang="en-US" smtClean="0"/>
-              <a:t>2019/1/5</a:t>
+              <a:t>2019/1/7</a:t>
             </a:fld>
             <a:endParaRPr lang="zh-TW" altLang="en-US"/>
           </a:p>
@@ -2035,7 +2036,7 @@
           <a:p>
             <a:fld id="{FAE88FF1-2C18-4A0E-91AD-C74148E4C1C5}" type="datetimeFigureOut">
               <a:rPr lang="zh-TW" altLang="en-US" smtClean="0"/>
-              <a:t>2019/1/5</a:t>
+              <a:t>2019/1/7</a:t>
             </a:fld>
             <a:endParaRPr lang="zh-TW" altLang="en-US"/>
           </a:p>
@@ -2154,7 +2155,7 @@
           <a:p>
             <a:fld id="{FAE88FF1-2C18-4A0E-91AD-C74148E4C1C5}" type="datetimeFigureOut">
               <a:rPr lang="zh-TW" altLang="en-US" smtClean="0"/>
-              <a:t>2019/1/5</a:t>
+              <a:t>2019/1/7</a:t>
             </a:fld>
             <a:endParaRPr lang="zh-TW" altLang="en-US"/>
           </a:p>
@@ -2250,7 +2251,7 @@
           <a:p>
             <a:fld id="{FAE88FF1-2C18-4A0E-91AD-C74148E4C1C5}" type="datetimeFigureOut">
               <a:rPr lang="zh-TW" altLang="en-US" smtClean="0"/>
-              <a:t>2019/1/5</a:t>
+              <a:t>2019/1/7</a:t>
             </a:fld>
             <a:endParaRPr lang="zh-TW" altLang="en-US"/>
           </a:p>
@@ -2812,7 +2813,7 @@
           <a:p>
             <a:fld id="{FAE88FF1-2C18-4A0E-91AD-C74148E4C1C5}" type="datetimeFigureOut">
               <a:rPr lang="zh-TW" altLang="en-US" smtClean="0"/>
-              <a:t>2019/1/5</a:t>
+              <a:t>2019/1/7</a:t>
             </a:fld>
             <a:endParaRPr lang="zh-TW" altLang="en-US"/>
           </a:p>
@@ -3110,7 +3111,7 @@
           <a:p>
             <a:fld id="{FAE88FF1-2C18-4A0E-91AD-C74148E4C1C5}" type="datetimeFigureOut">
               <a:rPr lang="zh-TW" altLang="en-US" smtClean="0"/>
-              <a:t>2019/1/5</a:t>
+              <a:t>2019/1/7</a:t>
             </a:fld>
             <a:endParaRPr lang="zh-TW" altLang="en-US"/>
           </a:p>
@@ -3713,6 +3714,164 @@
 </file>
 
 <file path=ppt/slides/slide10.xml><?xml version="1.0" encoding="utf-8"?>
+<p:sld xmlns:a="http://schemas.openxmlformats.org/drawingml/2006/main" xmlns:r="http://schemas.openxmlformats.org/officeDocument/2006/relationships" xmlns:p="http://schemas.openxmlformats.org/presentationml/2006/main">
+  <p:cSld>
+    <p:spTree>
+      <p:nvGrpSpPr>
+        <p:cNvPr id="1" name=""/>
+        <p:cNvGrpSpPr/>
+        <p:nvPr/>
+      </p:nvGrpSpPr>
+      <p:grpSpPr>
+        <a:xfrm>
+          <a:off x="0" y="0"/>
+          <a:ext cx="0" cy="0"/>
+          <a:chOff x="0" y="0"/>
+          <a:chExt cx="0" cy="0"/>
+        </a:xfrm>
+      </p:grpSpPr>
+      <p:sp>
+        <p:nvSpPr>
+          <p:cNvPr id="2" name="標題 1"/>
+          <p:cNvSpPr>
+            <a:spLocks noGrp="1"/>
+          </p:cNvSpPr>
+          <p:nvPr>
+            <p:ph type="title"/>
+          </p:nvPr>
+        </p:nvSpPr>
+        <p:spPr/>
+        <p:txBody>
+          <a:bodyPr/>
+          <a:lstStyle/>
+          <a:p>
+            <a:r>
+              <a:rPr lang="zh-TW" altLang="en-US" dirty="0" smtClean="0"/>
+              <a:t>參考資料</a:t>
+            </a:r>
+            <a:endParaRPr lang="zh-TW" altLang="en-US" dirty="0"/>
+          </a:p>
+        </p:txBody>
+      </p:sp>
+      <p:sp>
+        <p:nvSpPr>
+          <p:cNvPr id="3" name="內容版面配置區 2"/>
+          <p:cNvSpPr>
+            <a:spLocks noGrp="1"/>
+          </p:cNvSpPr>
+          <p:nvPr>
+            <p:ph idx="1"/>
+          </p:nvPr>
+        </p:nvSpPr>
+        <p:spPr/>
+        <p:txBody>
+          <a:bodyPr/>
+          <a:lstStyle/>
+          <a:p>
+            <a:r>
+              <a:rPr lang="zh-TW" altLang="en-US" dirty="0" smtClean="0"/>
+              <a:t>模板 </a:t>
+            </a:r>
+            <a:r>
+              <a:rPr lang="en-US" altLang="zh-TW" dirty="0" smtClean="0"/>
+              <a:t>:</a:t>
+            </a:r>
+            <a:r>
+              <a:rPr lang="zh-TW" altLang="en-US" dirty="0" smtClean="0"/>
+              <a:t> </a:t>
+            </a:r>
+            <a:r>
+              <a:rPr lang="en-US" altLang="zh-TW" dirty="0" smtClean="0"/>
+              <a:t>https://</a:t>
+            </a:r>
+            <a:r>
+              <a:rPr lang="en-US" altLang="zh-TW" dirty="0"/>
+              <a:t>templated.co</a:t>
+            </a:r>
+            <a:r>
+              <a:rPr lang="en-US" altLang="zh-TW" dirty="0" smtClean="0"/>
+              <a:t>/</a:t>
+            </a:r>
+          </a:p>
+          <a:p>
+            <a:r>
+              <a:rPr lang="en-US" altLang="zh-TW" dirty="0" smtClean="0"/>
+              <a:t>W3schools</a:t>
+            </a:r>
+            <a:r>
+              <a:rPr lang="zh-TW" altLang="en-US" dirty="0" smtClean="0"/>
+              <a:t> </a:t>
+            </a:r>
+            <a:r>
+              <a:rPr lang="en-US" altLang="zh-TW" dirty="0" smtClean="0"/>
+              <a:t>:</a:t>
+            </a:r>
+            <a:r>
+              <a:rPr lang="zh-TW" altLang="en-US" dirty="0" smtClean="0"/>
+              <a:t> </a:t>
+            </a:r>
+            <a:r>
+              <a:rPr lang="en-US" altLang="zh-TW" dirty="0" smtClean="0">
+                <a:hlinkClick r:id="rId2"/>
+              </a:rPr>
+              <a:t>https</a:t>
+            </a:r>
+            <a:r>
+              <a:rPr lang="en-US" altLang="zh-TW" dirty="0">
+                <a:hlinkClick r:id="rId2"/>
+              </a:rPr>
+              <a:t>://www.w3schools.com</a:t>
+            </a:r>
+            <a:r>
+              <a:rPr lang="en-US" altLang="zh-TW" dirty="0" smtClean="0">
+                <a:hlinkClick r:id="rId2"/>
+              </a:rPr>
+              <a:t>/</a:t>
+            </a:r>
+            <a:endParaRPr lang="en-US" altLang="zh-TW" dirty="0" smtClean="0"/>
+          </a:p>
+          <a:p>
+            <a:r>
+              <a:rPr lang="zh-TW" altLang="en-US" dirty="0" smtClean="0"/>
+              <a:t>圖片 、資料 </a:t>
+            </a:r>
+            <a:r>
+              <a:rPr lang="en-US" altLang="zh-TW" dirty="0" smtClean="0"/>
+              <a:t>:</a:t>
+            </a:r>
+            <a:r>
+              <a:rPr lang="zh-TW" altLang="en-US" dirty="0" smtClean="0"/>
+              <a:t> </a:t>
+            </a:r>
+            <a:r>
+              <a:rPr lang="en-US" altLang="zh-TW" dirty="0" smtClean="0"/>
+              <a:t>Google</a:t>
+            </a:r>
+            <a:endParaRPr lang="zh-TW" altLang="en-US" dirty="0"/>
+          </a:p>
+        </p:txBody>
+      </p:sp>
+    </p:spTree>
+    <p:extLst>
+      <p:ext uri="{BB962C8B-B14F-4D97-AF65-F5344CB8AC3E}">
+        <p14:creationId xmlns:p14="http://schemas.microsoft.com/office/powerpoint/2010/main" val="3919724176"/>
+      </p:ext>
+    </p:extLst>
+  </p:cSld>
+  <p:clrMapOvr>
+    <a:masterClrMapping/>
+  </p:clrMapOvr>
+  <p:timing>
+    <p:tnLst>
+      <p:par>
+        <p:cTn id="1" dur="indefinite" restart="never" nodeType="tmRoot"/>
+      </p:par>
+    </p:tnLst>
+  </p:timing>
+</p:sld>
+</file>
+
+<file path=ppt/slides/slide11.xml><?xml version="1.0" encoding="utf-8"?>
 <p:sld xmlns:a="http://schemas.openxmlformats.org/drawingml/2006/main" xmlns:r="http://schemas.openxmlformats.org/officeDocument/2006/relationships" xmlns:p="http://schemas.openxmlformats.org/presentationml/2006/main">
   <p:cSld>
     <p:spTree>
@@ -6183,7 +6342,7 @@
       </p:sp>
       <p:pic>
         <p:nvPicPr>
-          <p:cNvPr id="5" name="圖片 4"/>
+          <p:cNvPr id="6" name="圖片 5"/>
           <p:cNvPicPr>
             <a:picLocks noChangeAspect="1"/>
           </p:cNvPicPr>
@@ -6203,8 +6362,8 @@
         </p:blipFill>
         <p:spPr>
           <a:xfrm>
-            <a:off x="3828927" y="1727758"/>
-            <a:ext cx="3780400" cy="4814450"/>
+            <a:off x="3572307" y="1727758"/>
+            <a:ext cx="6675393" cy="4839231"/>
           </a:xfrm>
           <a:prstGeom prst="rect">
             <a:avLst/>

--- a/基礎樂理介紹-00657139.pptx
+++ b/基礎樂理介紹-00657139.pptx
@@ -346,7 +346,7 @@
           <a:p>
             <a:fld id="{FAE88FF1-2C18-4A0E-91AD-C74148E4C1C5}" type="datetimeFigureOut">
               <a:rPr lang="zh-TW" altLang="en-US" smtClean="0"/>
-              <a:t>2019/1/7</a:t>
+              <a:t>2019/1/12</a:t>
             </a:fld>
             <a:endParaRPr lang="zh-TW" altLang="en-US"/>
           </a:p>
@@ -697,7 +697,7 @@
           <a:p>
             <a:fld id="{FAE88FF1-2C18-4A0E-91AD-C74148E4C1C5}" type="datetimeFigureOut">
               <a:rPr lang="zh-TW" altLang="en-US" smtClean="0"/>
-              <a:t>2019/1/7</a:t>
+              <a:t>2019/1/12</a:t>
             </a:fld>
             <a:endParaRPr lang="zh-TW" altLang="en-US"/>
           </a:p>
@@ -868,7 +868,7 @@
           <a:p>
             <a:fld id="{FAE88FF1-2C18-4A0E-91AD-C74148E4C1C5}" type="datetimeFigureOut">
               <a:rPr lang="zh-TW" altLang="en-US" smtClean="0"/>
-              <a:t>2019/1/7</a:t>
+              <a:t>2019/1/12</a:t>
             </a:fld>
             <a:endParaRPr lang="zh-TW" altLang="en-US"/>
           </a:p>
@@ -1045,7 +1045,7 @@
           <a:p>
             <a:fld id="{FAE88FF1-2C18-4A0E-91AD-C74148E4C1C5}" type="datetimeFigureOut">
               <a:rPr lang="zh-TW" altLang="en-US" smtClean="0"/>
-              <a:t>2019/1/7</a:t>
+              <a:t>2019/1/12</a:t>
             </a:fld>
             <a:endParaRPr lang="zh-TW" altLang="en-US"/>
           </a:p>
@@ -1304,7 +1304,7 @@
           <a:p>
             <a:fld id="{FAE88FF1-2C18-4A0E-91AD-C74148E4C1C5}" type="datetimeFigureOut">
               <a:rPr lang="zh-TW" altLang="en-US" smtClean="0"/>
-              <a:t>2019/1/7</a:t>
+              <a:t>2019/1/12</a:t>
             </a:fld>
             <a:endParaRPr lang="zh-TW" altLang="en-US"/>
           </a:p>
@@ -1593,7 +1593,7 @@
           <a:p>
             <a:fld id="{FAE88FF1-2C18-4A0E-91AD-C74148E4C1C5}" type="datetimeFigureOut">
               <a:rPr lang="zh-TW" altLang="en-US" smtClean="0"/>
-              <a:t>2019/1/7</a:t>
+              <a:t>2019/1/12</a:t>
             </a:fld>
             <a:endParaRPr lang="zh-TW" altLang="en-US"/>
           </a:p>
@@ -2036,7 +2036,7 @@
           <a:p>
             <a:fld id="{FAE88FF1-2C18-4A0E-91AD-C74148E4C1C5}" type="datetimeFigureOut">
               <a:rPr lang="zh-TW" altLang="en-US" smtClean="0"/>
-              <a:t>2019/1/7</a:t>
+              <a:t>2019/1/12</a:t>
             </a:fld>
             <a:endParaRPr lang="zh-TW" altLang="en-US"/>
           </a:p>
@@ -2155,7 +2155,7 @@
           <a:p>
             <a:fld id="{FAE88FF1-2C18-4A0E-91AD-C74148E4C1C5}" type="datetimeFigureOut">
               <a:rPr lang="zh-TW" altLang="en-US" smtClean="0"/>
-              <a:t>2019/1/7</a:t>
+              <a:t>2019/1/12</a:t>
             </a:fld>
             <a:endParaRPr lang="zh-TW" altLang="en-US"/>
           </a:p>
@@ -2251,7 +2251,7 @@
           <a:p>
             <a:fld id="{FAE88FF1-2C18-4A0E-91AD-C74148E4C1C5}" type="datetimeFigureOut">
               <a:rPr lang="zh-TW" altLang="en-US" smtClean="0"/>
-              <a:t>2019/1/7</a:t>
+              <a:t>2019/1/12</a:t>
             </a:fld>
             <a:endParaRPr lang="zh-TW" altLang="en-US"/>
           </a:p>
@@ -2813,7 +2813,7 @@
           <a:p>
             <a:fld id="{FAE88FF1-2C18-4A0E-91AD-C74148E4C1C5}" type="datetimeFigureOut">
               <a:rPr lang="zh-TW" altLang="en-US" smtClean="0"/>
-              <a:t>2019/1/7</a:t>
+              <a:t>2019/1/12</a:t>
             </a:fld>
             <a:endParaRPr lang="zh-TW" altLang="en-US"/>
           </a:p>
@@ -3111,7 +3111,7 @@
           <a:p>
             <a:fld id="{FAE88FF1-2C18-4A0E-91AD-C74148E4C1C5}" type="datetimeFigureOut">
               <a:rPr lang="zh-TW" altLang="en-US" smtClean="0"/>
-              <a:t>2019/1/7</a:t>
+              <a:t>2019/1/12</a:t>
             </a:fld>
             <a:endParaRPr lang="zh-TW" altLang="en-US"/>
           </a:p>
@@ -6342,7 +6342,7 @@
       </p:sp>
       <p:pic>
         <p:nvPicPr>
-          <p:cNvPr id="6" name="圖片 5"/>
+          <p:cNvPr id="7" name="圖片 6"/>
           <p:cNvPicPr>
             <a:picLocks noChangeAspect="1"/>
           </p:cNvPicPr>
@@ -6362,8 +6362,8 @@
         </p:blipFill>
         <p:spPr>
           <a:xfrm>
-            <a:off x="3572307" y="1727758"/>
-            <a:ext cx="6675393" cy="4839231"/>
+            <a:off x="4331491" y="1727758"/>
+            <a:ext cx="6812636" cy="4992256"/>
           </a:xfrm>
           <a:prstGeom prst="rect">
             <a:avLst/>
